--- a/pdf/20251005_access/lunch_map.pptx
+++ b/pdf/20251005_access/lunch_map.pptx
@@ -6256,6 +6256,20 @@
               <a:buNone/>
             </a:pPr>
             <a:r>
+              <a:rPr kumimoji="1" lang="en-US" altLang="ja-JP" sz="1400" dirty="0"/>
+              <a:t>https://masataka123.github.io/blog3/pdf/20251005_access/</a:t>
+            </a:r>
+            <a:r>
+              <a:rPr kumimoji="1" lang="en-US" altLang="ja-JP" sz="1400" dirty="0" err="1"/>
+              <a:t>lunch_map.pdf</a:t>
+            </a:r>
+            <a:endParaRPr kumimoji="1" lang="en-US" altLang="ja-JP" sz="1400" dirty="0"/>
+          </a:p>
+          <a:p>
+            <a:pPr marL="0" indent="0">
+              <a:buNone/>
+            </a:pPr>
+            <a:r>
               <a:rPr kumimoji="1" lang="en-US" altLang="ja-JP" dirty="0"/>
               <a:t>QR code</a:t>
             </a:r>
@@ -6319,13 +6333,37 @@
               <a:rPr kumimoji="1" lang="en-US" altLang="ja-JP" dirty="0"/>
               <a:t>URL </a:t>
             </a:r>
-            <a:endParaRPr kumimoji="1" lang="en-US" altLang="ja-JP" sz="1400" dirty="0"/>
           </a:p>
           <a:p>
             <a:pPr marL="0" indent="0">
               <a:buNone/>
             </a:pPr>
             <a:r>
+              <a:rPr kumimoji="1" lang="en-US" altLang="ja-JP" sz="1400" dirty="0"/>
+              <a:t>https://</a:t>
+            </a:r>
+            <a:r>
+              <a:rPr kumimoji="1" lang="en-US" altLang="ja-JP" sz="1400" dirty="0" err="1"/>
+              <a:t>www.google.com</a:t>
+            </a:r>
+            <a:r>
+              <a:rPr kumimoji="1" lang="en-US" altLang="ja-JP" sz="1400" dirty="0"/>
+              <a:t>/maps/d/</a:t>
+            </a:r>
+            <a:r>
+              <a:rPr kumimoji="1" lang="en-US" altLang="ja-JP" sz="1400" dirty="0" err="1"/>
+              <a:t>edit?mid</a:t>
+            </a:r>
+            <a:r>
+              <a:rPr kumimoji="1" lang="en-US" altLang="ja-JP" sz="1400" dirty="0"/>
+              <a:t>=1B7egM_vT4mLeZgtXCt88ys5hColf05I&amp;usp=sharing</a:t>
+            </a:r>
+          </a:p>
+          <a:p>
+            <a:pPr marL="0" indent="0">
+              <a:buNone/>
+            </a:pPr>
+            <a:r>
               <a:rPr kumimoji="1" lang="en-US" altLang="ja-JP" dirty="0"/>
               <a:t>QR code</a:t>
             </a:r>
@@ -6333,6 +6371,66 @@
           </a:p>
         </p:txBody>
       </p:sp>
+      <p:pic>
+        <p:nvPicPr>
+          <p:cNvPr id="5" name="図 4">
+            <a:extLst>
+              <a:ext uri="{FF2B5EF4-FFF2-40B4-BE49-F238E27FC236}">
+                <a16:creationId xmlns:a16="http://schemas.microsoft.com/office/drawing/2014/main" id="{D98F6142-512A-A0E6-B7DE-4254B24E58F2}"/>
+              </a:ext>
+            </a:extLst>
+          </p:cNvPr>
+          <p:cNvPicPr>
+            <a:picLocks noChangeAspect="1"/>
+          </p:cNvPicPr>
+          <p:nvPr/>
+        </p:nvPicPr>
+        <p:blipFill>
+          <a:blip r:embed="rId2"/>
+          <a:stretch>
+            <a:fillRect/>
+          </a:stretch>
+        </p:blipFill>
+        <p:spPr>
+          <a:xfrm>
+            <a:off x="1911433" y="3412089"/>
+            <a:ext cx="2286000" cy="2286000"/>
+          </a:xfrm>
+          <a:prstGeom prst="rect">
+            <a:avLst/>
+          </a:prstGeom>
+        </p:spPr>
+      </p:pic>
+      <p:pic>
+        <p:nvPicPr>
+          <p:cNvPr id="7" name="図 6">
+            <a:extLst>
+              <a:ext uri="{FF2B5EF4-FFF2-40B4-BE49-F238E27FC236}">
+                <a16:creationId xmlns:a16="http://schemas.microsoft.com/office/drawing/2014/main" id="{B21B158F-E257-132B-3810-42D61794A6F9}"/>
+              </a:ext>
+            </a:extLst>
+          </p:cNvPr>
+          <p:cNvPicPr>
+            <a:picLocks noChangeAspect="1"/>
+          </p:cNvPicPr>
+          <p:nvPr/>
+        </p:nvPicPr>
+        <p:blipFill>
+          <a:blip r:embed="rId3"/>
+          <a:stretch>
+            <a:fillRect/>
+          </a:stretch>
+        </p:blipFill>
+        <p:spPr>
+          <a:xfrm>
+            <a:off x="6431428" y="3341963"/>
+            <a:ext cx="2425700" cy="2425700"/>
+          </a:xfrm>
+          <a:prstGeom prst="rect">
+            <a:avLst/>
+          </a:prstGeom>
+        </p:spPr>
+      </p:pic>
     </p:spTree>
     <p:extLst>
       <p:ext uri="{BB962C8B-B14F-4D97-AF65-F5344CB8AC3E}">

--- a/pdf/20251005_access/lunch_map.pptx
+++ b/pdf/20251005_access/lunch_map.pptx
@@ -6431,6 +6431,68 @@
           </a:prstGeom>
         </p:spPr>
       </p:pic>
+      <p:sp>
+        <p:nvSpPr>
+          <p:cNvPr id="2" name="テキスト ボックス 1">
+            <a:extLst>
+              <a:ext uri="{FF2B5EF4-FFF2-40B4-BE49-F238E27FC236}">
+                <a16:creationId xmlns:a16="http://schemas.microsoft.com/office/drawing/2014/main" id="{EBBD14A7-8060-0CB0-6C07-A4D60776FABC}"/>
+              </a:ext>
+            </a:extLst>
+          </p:cNvPr>
+          <p:cNvSpPr txBox="1"/>
+          <p:nvPr/>
+        </p:nvSpPr>
+        <p:spPr>
+          <a:xfrm>
+            <a:off x="7851912" y="6768548"/>
+            <a:ext cx="2365513" cy="276999"/>
+          </a:xfrm>
+          <a:prstGeom prst="rect">
+            <a:avLst/>
+          </a:prstGeom>
+          <a:noFill/>
+        </p:spPr>
+        <p:txBody>
+          <a:bodyPr wrap="square" rtlCol="0">
+            <a:spAutoFit/>
+          </a:bodyPr>
+          <a:lstStyle/>
+          <a:p>
+            <a:r>
+              <a:rPr lang="en" altLang="ja-JP" sz="1200" b="0" i="0" u="none" strike="noStrike" dirty="0">
+                <a:solidFill>
+                  <a:srgbClr val="000000"/>
+                </a:solidFill>
+                <a:effectLst/>
+                <a:latin typeface="-webkit-standard"/>
+              </a:rPr>
+              <a:t>Created by </a:t>
+            </a:r>
+            <a:r>
+              <a:rPr lang="en" altLang="ja-JP" sz="1200" b="0" i="0" u="none" strike="noStrike" dirty="0" err="1">
+                <a:solidFill>
+                  <a:srgbClr val="000000"/>
+                </a:solidFill>
+                <a:effectLst/>
+                <a:latin typeface="-webkit-standard"/>
+              </a:rPr>
+              <a:t>Masataka</a:t>
+            </a:r>
+            <a:r>
+              <a:rPr lang="en" altLang="ja-JP" sz="1200" b="0" i="0" u="none" strike="noStrike" dirty="0">
+                <a:solidFill>
+                  <a:srgbClr val="000000"/>
+                </a:solidFill>
+                <a:effectLst/>
+                <a:latin typeface="-webkit-standard"/>
+              </a:rPr>
+              <a:t> Iwai in 2025.</a:t>
+            </a:r>
+            <a:endParaRPr kumimoji="1" lang="ja-JP" altLang="en-US" sz="1200"/>
+          </a:p>
+        </p:txBody>
+      </p:sp>
     </p:spTree>
     <p:extLst>
       <p:ext uri="{BB962C8B-B14F-4D97-AF65-F5344CB8AC3E}">

--- a/pdf/20251005_access/lunch_map.pptx
+++ b/pdf/20251005_access/lunch_map.pptx
@@ -209,7 +209,7 @@
           <a:p>
             <a:fld id="{BCDE465C-17AB-F74D-83D6-A06446C30CBD}" type="datetimeFigureOut">
               <a:rPr kumimoji="1" lang="ja-JP" altLang="en-US" smtClean="0"/>
-              <a:t>2025/10/5</a:t>
+              <a:t>2025/10/7</a:t>
             </a:fld>
             <a:endParaRPr kumimoji="1" lang="ja-JP" altLang="en-US"/>
           </a:p>
@@ -771,7 +771,7 @@
           <a:p>
             <a:fld id="{5BCAD085-E8A6-8845-BD4E-CB4CCA059FC4}" type="datetimeFigureOut">
               <a:rPr lang="en-US" smtClean="0"/>
-              <a:t>10/5/25</a:t>
+              <a:t>10/7/25</a:t>
             </a:fld>
             <a:endParaRPr lang="en-US"/>
           </a:p>
@@ -939,7 +939,7 @@
           <a:p>
             <a:fld id="{5BCAD085-E8A6-8845-BD4E-CB4CCA059FC4}" type="datetimeFigureOut">
               <a:rPr lang="en-US" smtClean="0"/>
-              <a:t>10/5/25</a:t>
+              <a:t>10/7/25</a:t>
             </a:fld>
             <a:endParaRPr lang="en-US"/>
           </a:p>
@@ -1117,7 +1117,7 @@
           <a:p>
             <a:fld id="{5BCAD085-E8A6-8845-BD4E-CB4CCA059FC4}" type="datetimeFigureOut">
               <a:rPr lang="en-US" smtClean="0"/>
-              <a:t>10/5/25</a:t>
+              <a:t>10/7/25</a:t>
             </a:fld>
             <a:endParaRPr lang="en-US"/>
           </a:p>
@@ -1285,7 +1285,7 @@
           <a:p>
             <a:fld id="{5BCAD085-E8A6-8845-BD4E-CB4CCA059FC4}" type="datetimeFigureOut">
               <a:rPr lang="en-US" smtClean="0"/>
-              <a:t>10/5/25</a:t>
+              <a:t>10/7/25</a:t>
             </a:fld>
             <a:endParaRPr lang="en-US"/>
           </a:p>
@@ -1530,7 +1530,7 @@
           <a:p>
             <a:fld id="{5BCAD085-E8A6-8845-BD4E-CB4CCA059FC4}" type="datetimeFigureOut">
               <a:rPr lang="en-US" smtClean="0"/>
-              <a:t>10/5/25</a:t>
+              <a:t>10/7/25</a:t>
             </a:fld>
             <a:endParaRPr lang="en-US"/>
           </a:p>
@@ -1815,7 +1815,7 @@
           <a:p>
             <a:fld id="{5BCAD085-E8A6-8845-BD4E-CB4CCA059FC4}" type="datetimeFigureOut">
               <a:rPr lang="en-US" smtClean="0"/>
-              <a:t>10/5/25</a:t>
+              <a:t>10/7/25</a:t>
             </a:fld>
             <a:endParaRPr lang="en-US"/>
           </a:p>
@@ -2234,7 +2234,7 @@
           <a:p>
             <a:fld id="{5BCAD085-E8A6-8845-BD4E-CB4CCA059FC4}" type="datetimeFigureOut">
               <a:rPr lang="en-US" smtClean="0"/>
-              <a:t>10/5/25</a:t>
+              <a:t>10/7/25</a:t>
             </a:fld>
             <a:endParaRPr lang="en-US"/>
           </a:p>
@@ -2351,7 +2351,7 @@
           <a:p>
             <a:fld id="{5BCAD085-E8A6-8845-BD4E-CB4CCA059FC4}" type="datetimeFigureOut">
               <a:rPr lang="en-US" smtClean="0"/>
-              <a:t>10/5/25</a:t>
+              <a:t>10/7/25</a:t>
             </a:fld>
             <a:endParaRPr lang="en-US"/>
           </a:p>
@@ -2446,7 +2446,7 @@
           <a:p>
             <a:fld id="{5BCAD085-E8A6-8845-BD4E-CB4CCA059FC4}" type="datetimeFigureOut">
               <a:rPr lang="en-US" smtClean="0"/>
-              <a:t>10/5/25</a:t>
+              <a:t>10/7/25</a:t>
             </a:fld>
             <a:endParaRPr lang="en-US"/>
           </a:p>
@@ -2721,7 +2721,7 @@
           <a:p>
             <a:fld id="{5BCAD085-E8A6-8845-BD4E-CB4CCA059FC4}" type="datetimeFigureOut">
               <a:rPr lang="en-US" smtClean="0"/>
-              <a:t>10/5/25</a:t>
+              <a:t>10/7/25</a:t>
             </a:fld>
             <a:endParaRPr lang="en-US"/>
           </a:p>
@@ -2973,7 +2973,7 @@
           <a:p>
             <a:fld id="{5BCAD085-E8A6-8845-BD4E-CB4CCA059FC4}" type="datetimeFigureOut">
               <a:rPr lang="en-US" smtClean="0"/>
-              <a:t>10/5/25</a:t>
+              <a:t>10/7/25</a:t>
             </a:fld>
             <a:endParaRPr lang="en-US"/>
           </a:p>
@@ -3184,7 +3184,7 @@
           <a:p>
             <a:fld id="{5BCAD085-E8A6-8845-BD4E-CB4CCA059FC4}" type="datetimeFigureOut">
               <a:rPr lang="en-US" smtClean="0"/>
-              <a:t>10/5/25</a:t>
+              <a:t>10/7/25</a:t>
             </a:fld>
             <a:endParaRPr lang="en-US"/>
           </a:p>
@@ -3559,36 +3559,6 @@
           <a:chExt cx="0" cy="0"/>
         </a:xfrm>
       </p:grpSpPr>
-      <p:pic>
-        <p:nvPicPr>
-          <p:cNvPr id="9" name="図 8">
-            <a:extLst>
-              <a:ext uri="{FF2B5EF4-FFF2-40B4-BE49-F238E27FC236}">
-                <a16:creationId xmlns:a16="http://schemas.microsoft.com/office/drawing/2014/main" id="{FFFCC6A7-EFC4-750A-966B-992A3DE27FFF}"/>
-              </a:ext>
-            </a:extLst>
-          </p:cNvPr>
-          <p:cNvPicPr>
-            <a:picLocks noChangeAspect="1"/>
-          </p:cNvPicPr>
-          <p:nvPr/>
-        </p:nvPicPr>
-        <p:blipFill>
-          <a:blip r:embed="rId3"/>
-          <a:stretch>
-            <a:fillRect/>
-          </a:stretch>
-        </p:blipFill>
-        <p:spPr>
-          <a:xfrm>
-            <a:off x="237044" y="835594"/>
-            <a:ext cx="4943487" cy="4804230"/>
-          </a:xfrm>
-          <a:prstGeom prst="rect">
-            <a:avLst/>
-          </a:prstGeom>
-        </p:spPr>
-      </p:pic>
       <p:graphicFrame>
         <p:nvGraphicFramePr>
           <p:cNvPr id="10" name="表 9">
@@ -3604,14 +3574,14 @@
           <p:nvPr>
             <p:extLst>
               <p:ext uri="{D42A27DB-BD31-4B8C-83A1-F6EECF244321}">
-                <p14:modId xmlns:p14="http://schemas.microsoft.com/office/powerpoint/2010/main" val="3249645457"/>
+                <p14:modId xmlns:p14="http://schemas.microsoft.com/office/powerpoint/2010/main" val="106619270"/>
               </p:ext>
             </p:extLst>
           </p:nvPr>
         </p:nvGraphicFramePr>
         <p:xfrm>
-          <a:off x="5345906" y="287762"/>
-          <a:ext cx="5261133" cy="7051780"/>
+          <a:off x="5345906" y="355771"/>
+          <a:ext cx="5172876" cy="6848131"/>
         </p:xfrm>
         <a:graphic>
           <a:graphicData uri="http://schemas.openxmlformats.org/drawingml/2006/table">
@@ -3620,35 +3590,35 @@
                 <a:tableStyleId>{5C22544A-7EE6-4342-B048-85BDC9FD1C3A}</a:tableStyleId>
               </a:tblPr>
               <a:tblGrid>
-                <a:gridCol w="255903">
+                <a:gridCol w="362337">
                   <a:extLst>
                     <a:ext uri="{9D8B030D-6E8A-4147-A177-3AD203B41FA5}">
                       <a16:colId xmlns:a16="http://schemas.microsoft.com/office/drawing/2014/main" val="1668481678"/>
                     </a:ext>
                   </a:extLst>
                 </a:gridCol>
-                <a:gridCol w="1744059">
+                <a:gridCol w="1749287">
                   <a:extLst>
                     <a:ext uri="{9D8B030D-6E8A-4147-A177-3AD203B41FA5}">
                       <a16:colId xmlns:a16="http://schemas.microsoft.com/office/drawing/2014/main" val="701489623"/>
                     </a:ext>
                   </a:extLst>
                 </a:gridCol>
-                <a:gridCol w="1257141">
+                <a:gridCol w="1302026">
                   <a:extLst>
                     <a:ext uri="{9D8B030D-6E8A-4147-A177-3AD203B41FA5}">
                       <a16:colId xmlns:a16="http://schemas.microsoft.com/office/drawing/2014/main" val="2166577437"/>
                     </a:ext>
                   </a:extLst>
                 </a:gridCol>
-                <a:gridCol w="1099998">
+                <a:gridCol w="943451">
                   <a:extLst>
                     <a:ext uri="{9D8B030D-6E8A-4147-A177-3AD203B41FA5}">
                       <a16:colId xmlns:a16="http://schemas.microsoft.com/office/drawing/2014/main" val="2021080276"/>
                     </a:ext>
                   </a:extLst>
                 </a:gridCol>
-                <a:gridCol w="904032">
+                <a:gridCol w="815775">
                   <a:extLst>
                     <a:ext uri="{9D8B030D-6E8A-4147-A177-3AD203B41FA5}">
                       <a16:colId xmlns:a16="http://schemas.microsoft.com/office/drawing/2014/main" val="1497016226"/>
@@ -3751,7 +3721,7 @@
                         <a:buNone/>
                       </a:pPr>
                       <a:r>
-                        <a:rPr kumimoji="1" lang="en-US" altLang="ja-JP" sz="1200" dirty="0"/>
+                        <a:rPr kumimoji="1" lang="en-US" altLang="ja-JP" sz="1100" dirty="0"/>
                         <a:t>1</a:t>
                       </a:r>
                     </a:p>
@@ -3891,7 +3861,7 @@
                         <a:buNone/>
                       </a:pPr>
                       <a:r>
-                        <a:rPr kumimoji="1" lang="en-US" altLang="ja-JP" sz="1200" dirty="0"/>
+                        <a:rPr kumimoji="1" lang="en-US" altLang="ja-JP" sz="1100" dirty="0"/>
                         <a:t>2</a:t>
                       </a:r>
                     </a:p>
@@ -4022,7 +3992,7 @@
                         <a:buNone/>
                       </a:pPr>
                       <a:r>
-                        <a:rPr kumimoji="1" lang="en-US" altLang="ja-JP" sz="1200" dirty="0"/>
+                        <a:rPr kumimoji="1" lang="en-US" altLang="ja-JP" sz="1100" dirty="0"/>
                         <a:t>3</a:t>
                       </a:r>
                     </a:p>
@@ -4177,7 +4147,7 @@
                         <a:buNone/>
                       </a:pPr>
                       <a:r>
-                        <a:rPr kumimoji="1" lang="en-US" altLang="ja-JP" sz="1200" dirty="0"/>
+                        <a:rPr kumimoji="1" lang="en-US" altLang="ja-JP" sz="1100" dirty="0"/>
                         <a:t>4</a:t>
                       </a:r>
                     </a:p>
@@ -4317,7 +4287,7 @@
                         <a:buNone/>
                       </a:pPr>
                       <a:r>
-                        <a:rPr kumimoji="1" lang="en-US" altLang="ja-JP" sz="1200" dirty="0"/>
+                        <a:rPr kumimoji="1" lang="en-US" altLang="ja-JP" sz="1100" dirty="0"/>
                         <a:t>5</a:t>
                       </a:r>
                     </a:p>
@@ -4457,7 +4427,7 @@
                         <a:buNone/>
                       </a:pPr>
                       <a:r>
-                        <a:rPr kumimoji="1" lang="en-US" altLang="ja-JP" sz="1200" dirty="0"/>
+                        <a:rPr kumimoji="1" lang="en-US" altLang="ja-JP" sz="1100" dirty="0"/>
                         <a:t>6</a:t>
                       </a:r>
                     </a:p>
@@ -4597,7 +4567,7 @@
                         <a:buNone/>
                       </a:pPr>
                       <a:r>
-                        <a:rPr kumimoji="1" lang="en-US" altLang="ja-JP" sz="1200" dirty="0"/>
+                        <a:rPr kumimoji="1" lang="en-US" altLang="ja-JP" sz="1100" dirty="0"/>
                         <a:t>7</a:t>
                       </a:r>
                     </a:p>
@@ -4701,7 +4671,7 @@
                         <a:buNone/>
                       </a:pPr>
                       <a:r>
-                        <a:rPr kumimoji="1" lang="en-US" altLang="ja-JP" sz="1200" dirty="0"/>
+                        <a:rPr kumimoji="1" lang="en-US" altLang="ja-JP" sz="1100" dirty="0"/>
                         <a:t>8</a:t>
                       </a:r>
                     </a:p>
@@ -4848,7 +4818,7 @@
                         <a:buNone/>
                       </a:pPr>
                       <a:r>
-                        <a:rPr kumimoji="1" lang="en-US" altLang="ja-JP" sz="1200" dirty="0"/>
+                        <a:rPr kumimoji="1" lang="en-US" altLang="ja-JP" sz="1100" dirty="0"/>
                         <a:t>9</a:t>
                       </a:r>
                     </a:p>
@@ -5035,7 +5005,7 @@
                         <a:buNone/>
                       </a:pPr>
                       <a:r>
-                        <a:rPr kumimoji="1" lang="en-US" altLang="ja-JP" sz="1200" dirty="0"/>
+                        <a:rPr kumimoji="1" lang="en-US" altLang="ja-JP" sz="1100" dirty="0"/>
                         <a:t>10</a:t>
                       </a:r>
                     </a:p>
@@ -5187,7 +5157,7 @@
                         <a:buNone/>
                       </a:pPr>
                       <a:r>
-                        <a:rPr kumimoji="1" lang="en-US" altLang="ja-JP" sz="1200" dirty="0"/>
+                        <a:rPr kumimoji="1" lang="en-US" altLang="ja-JP" sz="1100" dirty="0"/>
                         <a:t>11</a:t>
                       </a:r>
                     </a:p>
@@ -5318,7 +5288,7 @@
                         <a:buNone/>
                       </a:pPr>
                       <a:r>
-                        <a:rPr kumimoji="1" lang="en-US" altLang="ja-JP" sz="1200" dirty="0"/>
+                        <a:rPr kumimoji="1" lang="en-US" altLang="ja-JP" sz="1100" dirty="0"/>
                         <a:t>12</a:t>
                       </a:r>
                     </a:p>
@@ -5380,7 +5350,7 @@
                           <a:ea typeface="+mn-ea"/>
                           <a:cs typeface="+mn-cs"/>
                         </a:rPr>
-                        <a:t> / </a:t>
+                        <a:t>/</a:t>
                       </a:r>
                       <a:r>
                         <a:rPr lang="ja-JP" altLang="en-US" sz="1200" b="0" i="0" u="none" strike="noStrike" kern="1200">
@@ -5473,7 +5443,7 @@
                         <a:buNone/>
                       </a:pPr>
                       <a:r>
-                        <a:rPr kumimoji="1" lang="en-US" altLang="ja-JP" sz="1200" dirty="0"/>
+                        <a:rPr kumimoji="1" lang="en-US" altLang="ja-JP" sz="1100" dirty="0"/>
                         <a:t>13</a:t>
                       </a:r>
                     </a:p>
@@ -5632,7 +5602,7 @@
                         <a:buNone/>
                       </a:pPr>
                       <a:r>
-                        <a:rPr kumimoji="1" lang="en-US" altLang="ja-JP" sz="1200" dirty="0"/>
+                        <a:rPr kumimoji="1" lang="en-US" altLang="ja-JP" sz="1100" dirty="0"/>
                         <a:t>14</a:t>
                       </a:r>
                     </a:p>
@@ -5756,7 +5726,7 @@
                         <a:buNone/>
                       </a:pPr>
                       <a:r>
-                        <a:rPr kumimoji="1" lang="en-US" altLang="ja-JP" sz="1200" dirty="0"/>
+                        <a:rPr kumimoji="1" lang="en-US" altLang="ja-JP" sz="1100" dirty="0"/>
                         <a:t>15</a:t>
                       </a:r>
                     </a:p>
@@ -5958,7 +5928,7 @@
         </p:nvSpPr>
         <p:spPr>
           <a:xfrm>
-            <a:off x="237043" y="5741088"/>
+            <a:off x="217337" y="5605448"/>
             <a:ext cx="4943487" cy="1598454"/>
           </a:xfrm>
           <a:prstGeom prst="rect">
@@ -5991,7 +5961,7 @@
             </a:pPr>
             <a:r>
               <a:rPr lang="en" altLang="ja-JP" sz="1400" dirty="0"/>
-              <a:t>No. 6 is located behind No. 5.</a:t>
+              <a:t>No. 5 is located behind No. 6.</a:t>
             </a:r>
           </a:p>
           <a:p>
@@ -6001,7 +5971,7 @@
             </a:pPr>
             <a:r>
               <a:rPr lang="en" altLang="ja-JP" sz="1400" dirty="0"/>
-              <a:t>The red dot means convenience stores.</a:t>
+              <a:t>      means convenience stores.</a:t>
             </a:r>
           </a:p>
           <a:p>
@@ -6011,7 +5981,7 @@
             </a:pPr>
             <a:r>
               <a:rPr lang="en" altLang="ja-JP" sz="1400" dirty="0"/>
-              <a:t>The house icon means Nambu </a:t>
+              <a:t>      means Nambu </a:t>
             </a:r>
             <a:r>
               <a:rPr lang="en" altLang="ja-JP" sz="1400" dirty="0" err="1"/>
@@ -6150,10 +6120,40 @@
       </p:sp>
       <p:pic>
         <p:nvPicPr>
-          <p:cNvPr id="18" name="図 17">
+          <p:cNvPr id="3" name="図 2">
             <a:extLst>
               <a:ext uri="{FF2B5EF4-FFF2-40B4-BE49-F238E27FC236}">
-                <a16:creationId xmlns:a16="http://schemas.microsoft.com/office/drawing/2014/main" id="{D748694F-282B-5763-507D-0144447B7FCD}"/>
+                <a16:creationId xmlns:a16="http://schemas.microsoft.com/office/drawing/2014/main" id="{2D5D8F53-73BF-87EB-8A1F-6197CBC45469}"/>
+              </a:ext>
+            </a:extLst>
+          </p:cNvPr>
+          <p:cNvPicPr>
+            <a:picLocks noChangeAspect="1"/>
+          </p:cNvPicPr>
+          <p:nvPr/>
+        </p:nvPicPr>
+        <p:blipFill>
+          <a:blip r:embed="rId3"/>
+          <a:stretch>
+            <a:fillRect/>
+          </a:stretch>
+        </p:blipFill>
+        <p:spPr>
+          <a:xfrm>
+            <a:off x="173031" y="734330"/>
+            <a:ext cx="5032100" cy="4702374"/>
+          </a:xfrm>
+          <a:prstGeom prst="rect">
+            <a:avLst/>
+          </a:prstGeom>
+        </p:spPr>
+      </p:pic>
+      <p:pic>
+        <p:nvPicPr>
+          <p:cNvPr id="5" name="図 4">
+            <a:extLst>
+              <a:ext uri="{FF2B5EF4-FFF2-40B4-BE49-F238E27FC236}">
+                <a16:creationId xmlns:a16="http://schemas.microsoft.com/office/drawing/2014/main" id="{0FD6BCCB-4B5C-E3F7-5F15-B5A967C935D2}"/>
               </a:ext>
             </a:extLst>
           </p:cNvPr>
@@ -6170,8 +6170,38 @@
         </p:blipFill>
         <p:spPr>
           <a:xfrm>
-            <a:off x="237043" y="6221061"/>
-            <a:ext cx="304800" cy="355600"/>
+            <a:off x="602586" y="6083882"/>
+            <a:ext cx="164573" cy="180000"/>
+          </a:xfrm>
+          <a:prstGeom prst="rect">
+            <a:avLst/>
+          </a:prstGeom>
+        </p:spPr>
+      </p:pic>
+      <p:pic>
+        <p:nvPicPr>
+          <p:cNvPr id="7" name="図 6">
+            <a:extLst>
+              <a:ext uri="{FF2B5EF4-FFF2-40B4-BE49-F238E27FC236}">
+                <a16:creationId xmlns:a16="http://schemas.microsoft.com/office/drawing/2014/main" id="{3F0E7AF9-5B85-A524-7F55-5D9CEFB62290}"/>
+              </a:ext>
+            </a:extLst>
+          </p:cNvPr>
+          <p:cNvPicPr>
+            <a:picLocks noChangeAspect="1"/>
+          </p:cNvPicPr>
+          <p:nvPr/>
+        </p:nvPicPr>
+        <p:blipFill>
+          <a:blip r:embed="rId5"/>
+          <a:stretch>
+            <a:fillRect/>
+          </a:stretch>
+        </p:blipFill>
+        <p:spPr>
+          <a:xfrm>
+            <a:off x="578800" y="6314675"/>
+            <a:ext cx="212144" cy="180000"/>
           </a:xfrm>
           <a:prstGeom prst="rect">
             <a:avLst/>

--- a/pdf/20251005_access/lunch_map.pptx
+++ b/pdf/20251005_access/lunch_map.pptx
@@ -127,6 +127,32 @@
 </p:presentation>
 </file>
 
+<file path=ppt/commentAuthors.xml><?xml version="1.0" encoding="utf-8"?>
+<p:cmAuthorLst xmlns:a="http://schemas.openxmlformats.org/drawingml/2006/main" xmlns:r="http://schemas.openxmlformats.org/officeDocument/2006/relationships" xmlns:p="http://schemas.openxmlformats.org/presentationml/2006/main">
+  <p:cmAuthor id="1" name="岩井　雅崇" initials="雅岩" lastIdx="1" clrIdx="0">
+    <p:extLst>
+      <p:ext uri="{19B8F6BF-5375-455C-9EA6-DF929625EA0E}">
+        <p15:presenceInfo xmlns:p15="http://schemas.microsoft.com/office/powerpoint/2012/main" userId="S::fsb35985@osaka-cu.ac.jp::cd064beb-9a95-4af1-8e01-23b10d20962b" providerId="AD"/>
+      </p:ext>
+    </p:extLst>
+  </p:cmAuthor>
+</p:cmAuthorLst>
+</file>
+
+<file path=ppt/comments/comment1.xml><?xml version="1.0" encoding="utf-8"?>
+<p:cmLst xmlns:a="http://schemas.openxmlformats.org/drawingml/2006/main" xmlns:r="http://schemas.openxmlformats.org/officeDocument/2006/relationships" xmlns:p="http://schemas.openxmlformats.org/presentationml/2006/main">
+  <p:cm authorId="1" dt="2025-10-29T19:02:02.560" idx="1">
+    <p:pos x="5579" y="2105"/>
+    <p:text/>
+    <p:extLst>
+      <p:ext uri="{C676402C-5697-4E1C-873F-D02D1690AC5C}">
+        <p15:threadingInfo xmlns:p15="http://schemas.microsoft.com/office/powerpoint/2012/main" timeZoneBias="-540"/>
+      </p:ext>
+    </p:extLst>
+  </p:cm>
+</p:cmLst>
+</file>
+
 <file path=ppt/notesMasters/notesMaster1.xml><?xml version="1.0" encoding="utf-8"?>
 <p:notesMaster xmlns:a="http://schemas.openxmlformats.org/drawingml/2006/main" xmlns:r="http://schemas.openxmlformats.org/officeDocument/2006/relationships" xmlns:p="http://schemas.openxmlformats.org/presentationml/2006/main">
   <p:cSld>
@@ -209,7 +235,7 @@
           <a:p>
             <a:fld id="{BCDE465C-17AB-F74D-83D6-A06446C30CBD}" type="datetimeFigureOut">
               <a:rPr kumimoji="1" lang="ja-JP" altLang="en-US" smtClean="0"/>
-              <a:t>2025/10/7</a:t>
+              <a:t>2025/10/29</a:t>
             </a:fld>
             <a:endParaRPr kumimoji="1" lang="ja-JP" altLang="en-US"/>
           </a:p>
@@ -771,7 +797,7 @@
           <a:p>
             <a:fld id="{5BCAD085-E8A6-8845-BD4E-CB4CCA059FC4}" type="datetimeFigureOut">
               <a:rPr lang="en-US" smtClean="0"/>
-              <a:t>10/7/25</a:t>
+              <a:t>10/29/25</a:t>
             </a:fld>
             <a:endParaRPr lang="en-US"/>
           </a:p>
@@ -939,7 +965,7 @@
           <a:p>
             <a:fld id="{5BCAD085-E8A6-8845-BD4E-CB4CCA059FC4}" type="datetimeFigureOut">
               <a:rPr lang="en-US" smtClean="0"/>
-              <a:t>10/7/25</a:t>
+              <a:t>10/29/25</a:t>
             </a:fld>
             <a:endParaRPr lang="en-US"/>
           </a:p>
@@ -1117,7 +1143,7 @@
           <a:p>
             <a:fld id="{5BCAD085-E8A6-8845-BD4E-CB4CCA059FC4}" type="datetimeFigureOut">
               <a:rPr lang="en-US" smtClean="0"/>
-              <a:t>10/7/25</a:t>
+              <a:t>10/29/25</a:t>
             </a:fld>
             <a:endParaRPr lang="en-US"/>
           </a:p>
@@ -1285,7 +1311,7 @@
           <a:p>
             <a:fld id="{5BCAD085-E8A6-8845-BD4E-CB4CCA059FC4}" type="datetimeFigureOut">
               <a:rPr lang="en-US" smtClean="0"/>
-              <a:t>10/7/25</a:t>
+              <a:t>10/29/25</a:t>
             </a:fld>
             <a:endParaRPr lang="en-US"/>
           </a:p>
@@ -1530,7 +1556,7 @@
           <a:p>
             <a:fld id="{5BCAD085-E8A6-8845-BD4E-CB4CCA059FC4}" type="datetimeFigureOut">
               <a:rPr lang="en-US" smtClean="0"/>
-              <a:t>10/7/25</a:t>
+              <a:t>10/29/25</a:t>
             </a:fld>
             <a:endParaRPr lang="en-US"/>
           </a:p>
@@ -1815,7 +1841,7 @@
           <a:p>
             <a:fld id="{5BCAD085-E8A6-8845-BD4E-CB4CCA059FC4}" type="datetimeFigureOut">
               <a:rPr lang="en-US" smtClean="0"/>
-              <a:t>10/7/25</a:t>
+              <a:t>10/29/25</a:t>
             </a:fld>
             <a:endParaRPr lang="en-US"/>
           </a:p>
@@ -2234,7 +2260,7 @@
           <a:p>
             <a:fld id="{5BCAD085-E8A6-8845-BD4E-CB4CCA059FC4}" type="datetimeFigureOut">
               <a:rPr lang="en-US" smtClean="0"/>
-              <a:t>10/7/25</a:t>
+              <a:t>10/29/25</a:t>
             </a:fld>
             <a:endParaRPr lang="en-US"/>
           </a:p>
@@ -2351,7 +2377,7 @@
           <a:p>
             <a:fld id="{5BCAD085-E8A6-8845-BD4E-CB4CCA059FC4}" type="datetimeFigureOut">
               <a:rPr lang="en-US" smtClean="0"/>
-              <a:t>10/7/25</a:t>
+              <a:t>10/29/25</a:t>
             </a:fld>
             <a:endParaRPr lang="en-US"/>
           </a:p>
@@ -2446,7 +2472,7 @@
           <a:p>
             <a:fld id="{5BCAD085-E8A6-8845-BD4E-CB4CCA059FC4}" type="datetimeFigureOut">
               <a:rPr lang="en-US" smtClean="0"/>
-              <a:t>10/7/25</a:t>
+              <a:t>10/29/25</a:t>
             </a:fld>
             <a:endParaRPr lang="en-US"/>
           </a:p>
@@ -2721,7 +2747,7 @@
           <a:p>
             <a:fld id="{5BCAD085-E8A6-8845-BD4E-CB4CCA059FC4}" type="datetimeFigureOut">
               <a:rPr lang="en-US" smtClean="0"/>
-              <a:t>10/7/25</a:t>
+              <a:t>10/29/25</a:t>
             </a:fld>
             <a:endParaRPr lang="en-US"/>
           </a:p>
@@ -2973,7 +2999,7 @@
           <a:p>
             <a:fld id="{5BCAD085-E8A6-8845-BD4E-CB4CCA059FC4}" type="datetimeFigureOut">
               <a:rPr lang="en-US" smtClean="0"/>
-              <a:t>10/7/25</a:t>
+              <a:t>10/29/25</a:t>
             </a:fld>
             <a:endParaRPr lang="en-US"/>
           </a:p>
@@ -3184,7 +3210,7 @@
           <a:p>
             <a:fld id="{5BCAD085-E8A6-8845-BD4E-CB4CCA059FC4}" type="datetimeFigureOut">
               <a:rPr lang="en-US" smtClean="0"/>
-              <a:t>10/7/25</a:t>
+              <a:t>10/29/25</a:t>
             </a:fld>
             <a:endParaRPr lang="en-US"/>
           </a:p>
@@ -3574,14 +3600,14 @@
           <p:nvPr>
             <p:extLst>
               <p:ext uri="{D42A27DB-BD31-4B8C-83A1-F6EECF244321}">
-                <p14:modId xmlns:p14="http://schemas.microsoft.com/office/powerpoint/2010/main" val="106619270"/>
+                <p14:modId xmlns:p14="http://schemas.microsoft.com/office/powerpoint/2010/main" val="1701079668"/>
               </p:ext>
             </p:extLst>
           </p:nvPr>
         </p:nvGraphicFramePr>
         <p:xfrm>
-          <a:off x="5345906" y="355771"/>
-          <a:ext cx="5172876" cy="6848131"/>
+          <a:off x="5301600" y="211110"/>
+          <a:ext cx="5172876" cy="7015647"/>
         </p:xfrm>
         <a:graphic>
           <a:graphicData uri="http://schemas.openxmlformats.org/drawingml/2006/table">
@@ -3604,21 +3630,21 @@
                     </a:ext>
                   </a:extLst>
                 </a:gridCol>
-                <a:gridCol w="1302026">
+                <a:gridCol w="1223008">
                   <a:extLst>
                     <a:ext uri="{9D8B030D-6E8A-4147-A177-3AD203B41FA5}">
                       <a16:colId xmlns:a16="http://schemas.microsoft.com/office/drawing/2014/main" val="2166577437"/>
                     </a:ext>
                   </a:extLst>
                 </a:gridCol>
-                <a:gridCol w="943451">
+                <a:gridCol w="977030">
                   <a:extLst>
                     <a:ext uri="{9D8B030D-6E8A-4147-A177-3AD203B41FA5}">
                       <a16:colId xmlns:a16="http://schemas.microsoft.com/office/drawing/2014/main" val="2021080276"/>
                     </a:ext>
                   </a:extLst>
                 </a:gridCol>
-                <a:gridCol w="815775">
+                <a:gridCol w="861214">
                   <a:extLst>
                     <a:ext uri="{9D8B030D-6E8A-4147-A177-3AD203B41FA5}">
                       <a16:colId xmlns:a16="http://schemas.microsoft.com/office/drawing/2014/main" val="1497016226"/>
@@ -3884,6 +3910,118 @@
                           <a:ea typeface="+mn-ea"/>
                           <a:cs typeface="+mn-cs"/>
                         </a:rPr>
+                        <a:t>Hana/ </a:t>
+                      </a:r>
+                      <a:r>
+                        <a:rPr lang="ja-JP" altLang="en-US" sz="1200" b="0" i="0" u="none" strike="noStrike" kern="1200">
+                          <a:solidFill>
+                            <a:schemeClr val="dk1"/>
+                          </a:solidFill>
+                          <a:effectLst/>
+                          <a:latin typeface="+mn-lt"/>
+                          <a:ea typeface="+mn-ea"/>
+                          <a:cs typeface="+mn-cs"/>
+                        </a:rPr>
+                        <a:t>はな</a:t>
+                      </a:r>
+                      <a:endParaRPr kumimoji="1" lang="ja-JP" altLang="en-US" sz="1200"/>
+                    </a:p>
+                  </a:txBody>
+                  <a:tcPr marL="104496" marR="104496" marT="52248" marB="52248" anchor="ctr"/>
+                </a:tc>
+                <a:tc>
+                  <a:txBody>
+                    <a:bodyPr/>
+                    <a:lstStyle/>
+                    <a:p>
+                      <a:pPr algn="ctr"/>
+                      <a:r>
+                        <a:rPr kumimoji="1" lang="en-US" altLang="ja-JP" sz="1200" dirty="0"/>
+                        <a:t>Cafe</a:t>
+                      </a:r>
+                      <a:endParaRPr kumimoji="1" lang="ja-JP" altLang="en-US" sz="1200"/>
+                    </a:p>
+                  </a:txBody>
+                  <a:tcPr marL="104496" marR="104496" marT="52248" marB="52248" anchor="ctr"/>
+                </a:tc>
+                <a:tc>
+                  <a:txBody>
+                    <a:bodyPr/>
+                    <a:lstStyle/>
+                    <a:p>
+                      <a:pPr algn="ctr"/>
+                      <a:r>
+                        <a:rPr kumimoji="1" lang="en-US" altLang="ja-JP" sz="1200" dirty="0"/>
+                        <a:t>5-10 min</a:t>
+                      </a:r>
+                      <a:endParaRPr kumimoji="1" lang="ja-JP" altLang="en-US" sz="1200"/>
+                    </a:p>
+                  </a:txBody>
+                  <a:tcPr marL="104496" marR="104496" marT="52248" marB="52248" anchor="ctr"/>
+                </a:tc>
+                <a:tc>
+                  <a:txBody>
+                    <a:bodyPr/>
+                    <a:lstStyle/>
+                    <a:p>
+                      <a:pPr algn="ctr"/>
+                      <a:r>
+                        <a:rPr lang="en" altLang="ja-JP" sz="1200" b="0" i="0" u="none" strike="noStrike" kern="1200" dirty="0">
+                          <a:solidFill>
+                            <a:schemeClr val="dk1"/>
+                          </a:solidFill>
+                          <a:effectLst/>
+                          <a:latin typeface="+mn-lt"/>
+                          <a:ea typeface="+mn-ea"/>
+                          <a:cs typeface="+mn-cs"/>
+                        </a:rPr>
+                        <a:t>Mon, Sun </a:t>
+                      </a:r>
+                      <a:endParaRPr kumimoji="1" lang="ja-JP" altLang="en-US" sz="1200"/>
+                    </a:p>
+                  </a:txBody>
+                  <a:tcPr marL="104496" marR="104496" marT="52248" marB="52248" anchor="ctr"/>
+                </a:tc>
+                <a:extLst>
+                  <a:ext uri="{0D108BD9-81ED-4DB2-BD59-A6C34878D82A}">
+                    <a16:rowId xmlns:a16="http://schemas.microsoft.com/office/drawing/2014/main" val="2869481128"/>
+                  </a:ext>
+                </a:extLst>
+              </a:tr>
+              <a:tr h="402373">
+                <a:tc>
+                  <a:txBody>
+                    <a:bodyPr/>
+                    <a:lstStyle/>
+                    <a:p>
+                      <a:pPr marL="0" indent="0" algn="ctr">
+                        <a:buFontTx/>
+                        <a:buNone/>
+                      </a:pPr>
+                      <a:r>
+                        <a:rPr kumimoji="1" lang="en-US" altLang="ja-JP" sz="1100" dirty="0"/>
+                        <a:t>3</a:t>
+                      </a:r>
+                    </a:p>
+                  </a:txBody>
+                  <a:tcPr marL="104496" marR="104496" marT="52248" marB="52248" anchor="ctr"/>
+                </a:tc>
+                <a:tc>
+                  <a:txBody>
+                    <a:bodyPr/>
+                    <a:lstStyle/>
+                    <a:p>
+                      <a:pPr algn="ctr"/>
+                      <a:r>
+                        <a:rPr lang="en" altLang="ja-JP" sz="1200" b="0" i="0" u="none" strike="noStrike" kern="1200" dirty="0">
+                          <a:solidFill>
+                            <a:schemeClr val="dk1"/>
+                          </a:solidFill>
+                          <a:effectLst/>
+                          <a:latin typeface="+mn-lt"/>
+                          <a:ea typeface="+mn-ea"/>
+                          <a:cs typeface="+mn-cs"/>
+                        </a:rPr>
                         <a:t>Steak no Don </a:t>
                       </a:r>
                     </a:p>
@@ -3993,7 +4131,7 @@
                       </a:pPr>
                       <a:r>
                         <a:rPr kumimoji="1" lang="en-US" altLang="ja-JP" sz="1100" dirty="0"/>
-                        <a:t>3</a:t>
+                        <a:t>4</a:t>
                       </a:r>
                     </a:p>
                   </a:txBody>
@@ -4148,7 +4286,7 @@
                       </a:pPr>
                       <a:r>
                         <a:rPr kumimoji="1" lang="en-US" altLang="ja-JP" sz="1100" dirty="0"/>
-                        <a:t>4</a:t>
+                        <a:t>5</a:t>
                       </a:r>
                     </a:p>
                   </a:txBody>
@@ -4288,7 +4426,7 @@
                       </a:pPr>
                       <a:r>
                         <a:rPr kumimoji="1" lang="en-US" altLang="ja-JP" sz="1100" dirty="0"/>
-                        <a:t>5</a:t>
+                        <a:t>6</a:t>
                       </a:r>
                     </a:p>
                   </a:txBody>
@@ -4413,146 +4551,6 @@
                 <a:extLst>
                   <a:ext uri="{0D108BD9-81ED-4DB2-BD59-A6C34878D82A}">
                     <a16:rowId xmlns:a16="http://schemas.microsoft.com/office/drawing/2014/main" val="3790105729"/>
-                  </a:ext>
-                </a:extLst>
-              </a:tr>
-              <a:tr h="302740">
-                <a:tc>
-                  <a:txBody>
-                    <a:bodyPr/>
-                    <a:lstStyle/>
-                    <a:p>
-                      <a:pPr marL="0" indent="0" algn="ctr">
-                        <a:buFontTx/>
-                        <a:buNone/>
-                      </a:pPr>
-                      <a:r>
-                        <a:rPr kumimoji="1" lang="en-US" altLang="ja-JP" sz="1100" dirty="0"/>
-                        <a:t>6</a:t>
-                      </a:r>
-                    </a:p>
-                  </a:txBody>
-                  <a:tcPr marL="104496" marR="104496" marT="52248" marB="52248" anchor="ctr"/>
-                </a:tc>
-                <a:tc>
-                  <a:txBody>
-                    <a:bodyPr/>
-                    <a:lstStyle/>
-                    <a:p>
-                      <a:pPr algn="ctr"/>
-                      <a:r>
-                        <a:rPr lang="en" altLang="ja-JP" sz="1200" b="0" i="0" u="none" strike="noStrike" kern="1200" dirty="0" err="1">
-                          <a:solidFill>
-                            <a:schemeClr val="dk1"/>
-                          </a:solidFill>
-                          <a:effectLst/>
-                          <a:latin typeface="+mn-lt"/>
-                          <a:ea typeface="+mn-ea"/>
-                          <a:cs typeface="+mn-cs"/>
-                        </a:rPr>
-                        <a:t>Akichan</a:t>
-                      </a:r>
-                      <a:r>
-                        <a:rPr lang="en" altLang="ja-JP" sz="1200" b="0" i="0" u="none" strike="noStrike" kern="1200" dirty="0">
-                          <a:solidFill>
-                            <a:schemeClr val="dk1"/>
-                          </a:solidFill>
-                          <a:effectLst/>
-                          <a:latin typeface="+mn-lt"/>
-                          <a:ea typeface="+mn-ea"/>
-                          <a:cs typeface="+mn-cs"/>
-                        </a:rPr>
-                        <a:t> / </a:t>
-                      </a:r>
-                      <a:r>
-                        <a:rPr lang="ja-JP" altLang="en-US" sz="1200" b="0" i="0" u="none" strike="noStrike" kern="1200">
-                          <a:solidFill>
-                            <a:schemeClr val="dk1"/>
-                          </a:solidFill>
-                          <a:effectLst/>
-                          <a:latin typeface="+mn-lt"/>
-                          <a:ea typeface="+mn-ea"/>
-                          <a:cs typeface="+mn-cs"/>
-                        </a:rPr>
-                        <a:t>あきちゃん</a:t>
-                      </a:r>
-                      <a:endParaRPr kumimoji="1" lang="ja-JP" altLang="en-US" sz="1200"/>
-                    </a:p>
-                  </a:txBody>
-                  <a:tcPr marL="104496" marR="104496" marT="52248" marB="52248" anchor="ctr"/>
-                </a:tc>
-                <a:tc>
-                  <a:txBody>
-                    <a:bodyPr/>
-                    <a:lstStyle/>
-                    <a:p>
-                      <a:pPr algn="ctr"/>
-                      <a:r>
-                        <a:rPr lang="en" altLang="ja-JP" sz="1200" b="0" i="0" u="none" strike="noStrike" kern="1200" dirty="0">
-                          <a:solidFill>
-                            <a:schemeClr val="dk1"/>
-                          </a:solidFill>
-                          <a:effectLst/>
-                          <a:latin typeface="+mn-lt"/>
-                          <a:ea typeface="+mn-ea"/>
-                          <a:cs typeface="+mn-cs"/>
-                        </a:rPr>
-                        <a:t>Okonomiyaki</a:t>
-                      </a:r>
-                      <a:endParaRPr kumimoji="1" lang="ja-JP" altLang="en-US" sz="1200"/>
-                    </a:p>
-                  </a:txBody>
-                  <a:tcPr marL="104496" marR="104496" marT="52248" marB="52248" anchor="ctr"/>
-                </a:tc>
-                <a:tc>
-                  <a:txBody>
-                    <a:bodyPr/>
-                    <a:lstStyle/>
-                    <a:p>
-                      <a:pPr algn="ctr"/>
-                      <a:r>
-                        <a:rPr lang="en" altLang="ja-JP" sz="1200" b="0" i="0" u="none" strike="noStrike" kern="1200" dirty="0">
-                          <a:solidFill>
-                            <a:schemeClr val="dk1"/>
-                          </a:solidFill>
-                          <a:effectLst/>
-                          <a:latin typeface="+mn-lt"/>
-                          <a:ea typeface="+mn-ea"/>
-                          <a:cs typeface="+mn-cs"/>
-                        </a:rPr>
-                        <a:t>10 min</a:t>
-                      </a:r>
-                      <a:endParaRPr kumimoji="1" lang="ja-JP" altLang="en-US" sz="1200"/>
-                    </a:p>
-                  </a:txBody>
-                  <a:tcPr marL="104496" marR="104496" marT="52248" marB="52248" anchor="ctr"/>
-                </a:tc>
-                <a:tc>
-                  <a:txBody>
-                    <a:bodyPr/>
-                    <a:lstStyle/>
-                    <a:p>
-                      <a:pPr algn="ctr"/>
-                      <a:r>
-                        <a:rPr lang="en" altLang="ja-JP" sz="1200" b="0" i="0" u="none" strike="noStrike" kern="1200" dirty="0">
-                          <a:solidFill>
-                            <a:schemeClr val="dk1"/>
-                          </a:solidFill>
-                          <a:effectLst/>
-                          <a:latin typeface="+mn-lt"/>
-                          <a:ea typeface="+mn-ea"/>
-                          <a:cs typeface="+mn-cs"/>
-                        </a:rPr>
-                        <a:t>Mon, Tue</a:t>
-                      </a:r>
-                      <a:endParaRPr kumimoji="1" lang="ja-JP" altLang="en-US" sz="1200"/>
-                    </a:p>
-                  </a:txBody>
-                  <a:tcPr marL="104496" marR="104496" marT="52248" marB="52248" anchor="ctr"/>
-                </a:tc>
-                <a:extLst>
-                  <a:ext uri="{0D108BD9-81ED-4DB2-BD59-A6C34878D82A}">
-                    <a16:rowId xmlns:a16="http://schemas.microsoft.com/office/drawing/2014/main" val="4113026598"/>
                   </a:ext>
                 </a:extLst>
               </a:tr>
@@ -5928,8 +5926,8 @@
         </p:nvSpPr>
         <p:spPr>
           <a:xfrm>
-            <a:off x="217337" y="5605448"/>
-            <a:ext cx="4943487" cy="1598454"/>
+            <a:off x="217337" y="5841762"/>
+            <a:ext cx="4943487" cy="1384995"/>
           </a:xfrm>
           <a:prstGeom prst="rect">
             <a:avLst/>
@@ -5953,16 +5951,7 @@
               <a:rPr kumimoji="1" lang="en-US" altLang="ja-JP" sz="1400" dirty="0"/>
               <a:t>Remark:</a:t>
             </a:r>
-          </a:p>
-          <a:p>
-            <a:pPr marL="285750" indent="-285750">
-              <a:buFont typeface="Arial" panose="020B0604020202020204" pitchFamily="34" charset="0"/>
-              <a:buChar char="•"/>
-            </a:pPr>
-            <a:r>
-              <a:rPr lang="en" altLang="ja-JP" sz="1400" dirty="0"/>
-              <a:t>No. 5 is located behind No. 6.</a:t>
-            </a:r>
+            <a:endParaRPr lang="en" altLang="ja-JP" sz="1400" dirty="0"/>
           </a:p>
           <a:p>
             <a:pPr marL="285750" indent="-285750">
@@ -6120,10 +6109,10 @@
       </p:sp>
       <p:pic>
         <p:nvPicPr>
-          <p:cNvPr id="3" name="図 2">
+          <p:cNvPr id="5" name="図 4">
             <a:extLst>
               <a:ext uri="{FF2B5EF4-FFF2-40B4-BE49-F238E27FC236}">
-                <a16:creationId xmlns:a16="http://schemas.microsoft.com/office/drawing/2014/main" id="{2D5D8F53-73BF-87EB-8A1F-6197CBC45469}"/>
+                <a16:creationId xmlns:a16="http://schemas.microsoft.com/office/drawing/2014/main" id="{0FD6BCCB-4B5C-E3F7-5F15-B5A967C935D2}"/>
               </a:ext>
             </a:extLst>
           </p:cNvPr>
@@ -6140,38 +6129,8 @@
         </p:blipFill>
         <p:spPr>
           <a:xfrm>
-            <a:off x="173031" y="734330"/>
-            <a:ext cx="5032100" cy="4702374"/>
-          </a:xfrm>
-          <a:prstGeom prst="rect">
-            <a:avLst/>
-          </a:prstGeom>
-        </p:spPr>
-      </p:pic>
-      <p:pic>
-        <p:nvPicPr>
-          <p:cNvPr id="5" name="図 4">
-            <a:extLst>
-              <a:ext uri="{FF2B5EF4-FFF2-40B4-BE49-F238E27FC236}">
-                <a16:creationId xmlns:a16="http://schemas.microsoft.com/office/drawing/2014/main" id="{0FD6BCCB-4B5C-E3F7-5F15-B5A967C935D2}"/>
-              </a:ext>
-            </a:extLst>
-          </p:cNvPr>
-          <p:cNvPicPr>
-            <a:picLocks noChangeAspect="1"/>
-          </p:cNvPicPr>
-          <p:nvPr/>
-        </p:nvPicPr>
-        <p:blipFill>
-          <a:blip r:embed="rId4"/>
-          <a:stretch>
-            <a:fillRect/>
-          </a:stretch>
-        </p:blipFill>
-        <p:spPr>
-          <a:xfrm>
-            <a:off x="602586" y="6083882"/>
-            <a:ext cx="164573" cy="180000"/>
+            <a:off x="572127" y="6127068"/>
+            <a:ext cx="212144" cy="232030"/>
           </a:xfrm>
           <a:prstGeom prst="rect">
             <a:avLst/>
@@ -6193,6 +6152,36 @@
           <p:nvPr/>
         </p:nvPicPr>
         <p:blipFill>
+          <a:blip r:embed="rId4"/>
+          <a:stretch>
+            <a:fillRect/>
+          </a:stretch>
+        </p:blipFill>
+        <p:spPr>
+          <a:xfrm>
+            <a:off x="572127" y="6352587"/>
+            <a:ext cx="212144" cy="180000"/>
+          </a:xfrm>
+          <a:prstGeom prst="rect">
+            <a:avLst/>
+          </a:prstGeom>
+        </p:spPr>
+      </p:pic>
+      <p:pic>
+        <p:nvPicPr>
+          <p:cNvPr id="4" name="図 3">
+            <a:extLst>
+              <a:ext uri="{FF2B5EF4-FFF2-40B4-BE49-F238E27FC236}">
+                <a16:creationId xmlns:a16="http://schemas.microsoft.com/office/drawing/2014/main" id="{660E32E9-4480-9782-446E-EFEEA4D38250}"/>
+              </a:ext>
+            </a:extLst>
+          </p:cNvPr>
+          <p:cNvPicPr>
+            <a:picLocks noChangeAspect="1"/>
+          </p:cNvPicPr>
+          <p:nvPr/>
+        </p:nvPicPr>
+        <p:blipFill>
           <a:blip r:embed="rId5"/>
           <a:stretch>
             <a:fillRect/>
@@ -6200,8 +6189,8 @@
         </p:blipFill>
         <p:spPr>
           <a:xfrm>
-            <a:off x="578800" y="6314675"/>
-            <a:ext cx="212144" cy="180000"/>
+            <a:off x="173030" y="762890"/>
+            <a:ext cx="4987793" cy="4923926"/>
           </a:xfrm>
           <a:prstGeom prst="rect">
             <a:avLst/>
@@ -6520,6 +6509,76 @@
               <a:t> Iwai in 2025.</a:t>
             </a:r>
             <a:endParaRPr kumimoji="1" lang="ja-JP" altLang="en-US" sz="1200"/>
+          </a:p>
+        </p:txBody>
+      </p:sp>
+      <p:sp>
+        <p:nvSpPr>
+          <p:cNvPr id="6" name="テキスト ボックス 5">
+            <a:extLst>
+              <a:ext uri="{FF2B5EF4-FFF2-40B4-BE49-F238E27FC236}">
+                <a16:creationId xmlns:a16="http://schemas.microsoft.com/office/drawing/2014/main" id="{57F7A7D5-283C-B1D7-616E-700918B5AC7F}"/>
+              </a:ext>
+            </a:extLst>
+          </p:cNvPr>
+          <p:cNvSpPr txBox="1"/>
+          <p:nvPr/>
+        </p:nvSpPr>
+        <p:spPr>
+          <a:xfrm>
+            <a:off x="5626951" y="5639851"/>
+            <a:ext cx="4020855" cy="523220"/>
+          </a:xfrm>
+          <a:prstGeom prst="rect">
+            <a:avLst/>
+          </a:prstGeom>
+          <a:noFill/>
+        </p:spPr>
+        <p:txBody>
+          <a:bodyPr wrap="square" rtlCol="0">
+            <a:spAutoFit/>
+          </a:bodyPr>
+          <a:lstStyle/>
+          <a:p>
+            <a:r>
+              <a:rPr lang="en" altLang="ja-JP" sz="1400" b="0" i="0" u="none" strike="noStrike" dirty="0">
+                <a:solidFill>
+                  <a:srgbClr val="000000"/>
+                </a:solidFill>
+                <a:effectLst/>
+                <a:latin typeface="-webkit-standard"/>
+              </a:rPr>
+              <a:t>This</a:t>
+            </a:r>
+            <a:r>
+              <a:rPr lang="en-US" altLang="ja-JP" sz="1400" dirty="0">
+                <a:solidFill>
+                  <a:srgbClr val="000000"/>
+                </a:solidFill>
+                <a:latin typeface="-webkit-standard"/>
+              </a:rPr>
+              <a:t> google </a:t>
+            </a:r>
+            <a:r>
+              <a:rPr lang="en-US" altLang="ja-JP" sz="1400" dirty="0" err="1">
+                <a:solidFill>
+                  <a:srgbClr val="000000"/>
+                </a:solidFill>
+                <a:latin typeface="-webkit-standard"/>
+              </a:rPr>
+              <a:t>mymap</a:t>
+            </a:r>
+            <a:r>
+              <a:rPr lang="en" altLang="ja-JP" sz="1400" b="0" i="0" u="none" strike="noStrike" dirty="0">
+                <a:solidFill>
+                  <a:srgbClr val="000000"/>
+                </a:solidFill>
+                <a:effectLst/>
+                <a:latin typeface="-webkit-standard"/>
+              </a:rPr>
+              <a:t> also includes some restaurants that are not on the map.</a:t>
+            </a:r>
+            <a:endParaRPr kumimoji="1" lang="ja-JP" altLang="en-US" sz="1400"/>
           </a:p>
         </p:txBody>
       </p:sp>

--- a/pdf/20251005_access/lunch_map.pptx
+++ b/pdf/20251005_access/lunch_map.pptx
@@ -139,20 +139,6 @@
 </p:cmAuthorLst>
 </file>
 
-<file path=ppt/comments/comment1.xml><?xml version="1.0" encoding="utf-8"?>
-<p:cmLst xmlns:a="http://schemas.openxmlformats.org/drawingml/2006/main" xmlns:r="http://schemas.openxmlformats.org/officeDocument/2006/relationships" xmlns:p="http://schemas.openxmlformats.org/presentationml/2006/main">
-  <p:cm authorId="1" dt="2025-10-29T19:02:02.560" idx="1">
-    <p:pos x="5579" y="2105"/>
-    <p:text/>
-    <p:extLst>
-      <p:ext uri="{C676402C-5697-4E1C-873F-D02D1690AC5C}">
-        <p15:threadingInfo xmlns:p15="http://schemas.microsoft.com/office/powerpoint/2012/main" timeZoneBias="-540"/>
-      </p:ext>
-    </p:extLst>
-  </p:cm>
-</p:cmLst>
-</file>
-
 <file path=ppt/notesMasters/notesMaster1.xml><?xml version="1.0" encoding="utf-8"?>
 <p:notesMaster xmlns:a="http://schemas.openxmlformats.org/drawingml/2006/main" xmlns:r="http://schemas.openxmlformats.org/officeDocument/2006/relationships" xmlns:p="http://schemas.openxmlformats.org/presentationml/2006/main">
   <p:cSld>
@@ -235,7 +221,7 @@
           <a:p>
             <a:fld id="{BCDE465C-17AB-F74D-83D6-A06446C30CBD}" type="datetimeFigureOut">
               <a:rPr kumimoji="1" lang="ja-JP" altLang="en-US" smtClean="0"/>
-              <a:t>2025/10/29</a:t>
+              <a:t>2026/2/6</a:t>
             </a:fld>
             <a:endParaRPr kumimoji="1" lang="ja-JP" altLang="en-US"/>
           </a:p>
@@ -797,7 +783,7 @@
           <a:p>
             <a:fld id="{5BCAD085-E8A6-8845-BD4E-CB4CCA059FC4}" type="datetimeFigureOut">
               <a:rPr lang="en-US" smtClean="0"/>
-              <a:t>10/29/25</a:t>
+              <a:t>2/6/26</a:t>
             </a:fld>
             <a:endParaRPr lang="en-US"/>
           </a:p>
@@ -965,7 +951,7 @@
           <a:p>
             <a:fld id="{5BCAD085-E8A6-8845-BD4E-CB4CCA059FC4}" type="datetimeFigureOut">
               <a:rPr lang="en-US" smtClean="0"/>
-              <a:t>10/29/25</a:t>
+              <a:t>2/6/26</a:t>
             </a:fld>
             <a:endParaRPr lang="en-US"/>
           </a:p>
@@ -1143,7 +1129,7 @@
           <a:p>
             <a:fld id="{5BCAD085-E8A6-8845-BD4E-CB4CCA059FC4}" type="datetimeFigureOut">
               <a:rPr lang="en-US" smtClean="0"/>
-              <a:t>10/29/25</a:t>
+              <a:t>2/6/26</a:t>
             </a:fld>
             <a:endParaRPr lang="en-US"/>
           </a:p>
@@ -1311,7 +1297,7 @@
           <a:p>
             <a:fld id="{5BCAD085-E8A6-8845-BD4E-CB4CCA059FC4}" type="datetimeFigureOut">
               <a:rPr lang="en-US" smtClean="0"/>
-              <a:t>10/29/25</a:t>
+              <a:t>2/6/26</a:t>
             </a:fld>
             <a:endParaRPr lang="en-US"/>
           </a:p>
@@ -1556,7 +1542,7 @@
           <a:p>
             <a:fld id="{5BCAD085-E8A6-8845-BD4E-CB4CCA059FC4}" type="datetimeFigureOut">
               <a:rPr lang="en-US" smtClean="0"/>
-              <a:t>10/29/25</a:t>
+              <a:t>2/6/26</a:t>
             </a:fld>
             <a:endParaRPr lang="en-US"/>
           </a:p>
@@ -1841,7 +1827,7 @@
           <a:p>
             <a:fld id="{5BCAD085-E8A6-8845-BD4E-CB4CCA059FC4}" type="datetimeFigureOut">
               <a:rPr lang="en-US" smtClean="0"/>
-              <a:t>10/29/25</a:t>
+              <a:t>2/6/26</a:t>
             </a:fld>
             <a:endParaRPr lang="en-US"/>
           </a:p>
@@ -2260,7 +2246,7 @@
           <a:p>
             <a:fld id="{5BCAD085-E8A6-8845-BD4E-CB4CCA059FC4}" type="datetimeFigureOut">
               <a:rPr lang="en-US" smtClean="0"/>
-              <a:t>10/29/25</a:t>
+              <a:t>2/6/26</a:t>
             </a:fld>
             <a:endParaRPr lang="en-US"/>
           </a:p>
@@ -2377,7 +2363,7 @@
           <a:p>
             <a:fld id="{5BCAD085-E8A6-8845-BD4E-CB4CCA059FC4}" type="datetimeFigureOut">
               <a:rPr lang="en-US" smtClean="0"/>
-              <a:t>10/29/25</a:t>
+              <a:t>2/6/26</a:t>
             </a:fld>
             <a:endParaRPr lang="en-US"/>
           </a:p>
@@ -2472,7 +2458,7 @@
           <a:p>
             <a:fld id="{5BCAD085-E8A6-8845-BD4E-CB4CCA059FC4}" type="datetimeFigureOut">
               <a:rPr lang="en-US" smtClean="0"/>
-              <a:t>10/29/25</a:t>
+              <a:t>2/6/26</a:t>
             </a:fld>
             <a:endParaRPr lang="en-US"/>
           </a:p>
@@ -2747,7 +2733,7 @@
           <a:p>
             <a:fld id="{5BCAD085-E8A6-8845-BD4E-CB4CCA059FC4}" type="datetimeFigureOut">
               <a:rPr lang="en-US" smtClean="0"/>
-              <a:t>10/29/25</a:t>
+              <a:t>2/6/26</a:t>
             </a:fld>
             <a:endParaRPr lang="en-US"/>
           </a:p>
@@ -2999,7 +2985,7 @@
           <a:p>
             <a:fld id="{5BCAD085-E8A6-8845-BD4E-CB4CCA059FC4}" type="datetimeFigureOut">
               <a:rPr lang="en-US" smtClean="0"/>
-              <a:t>10/29/25</a:t>
+              <a:t>2/6/26</a:t>
             </a:fld>
             <a:endParaRPr lang="en-US"/>
           </a:p>
@@ -3210,7 +3196,7 @@
           <a:p>
             <a:fld id="{5BCAD085-E8A6-8845-BD4E-CB4CCA059FC4}" type="datetimeFigureOut">
               <a:rPr lang="en-US" smtClean="0"/>
-              <a:t>10/29/25</a:t>
+              <a:t>2/6/26</a:t>
             </a:fld>
             <a:endParaRPr lang="en-US"/>
           </a:p>
@@ -3600,14 +3586,14 @@
           <p:nvPr>
             <p:extLst>
               <p:ext uri="{D42A27DB-BD31-4B8C-83A1-F6EECF244321}">
-                <p14:modId xmlns:p14="http://schemas.microsoft.com/office/powerpoint/2010/main" val="1701079668"/>
+                <p14:modId xmlns:p14="http://schemas.microsoft.com/office/powerpoint/2010/main" val="1112925517"/>
               </p:ext>
             </p:extLst>
           </p:nvPr>
         </p:nvGraphicFramePr>
         <p:xfrm>
-          <a:off x="5301600" y="211110"/>
-          <a:ext cx="5172876" cy="7015647"/>
+          <a:off x="5301600" y="106314"/>
+          <a:ext cx="5172876" cy="7347045"/>
         </p:xfrm>
         <a:graphic>
           <a:graphicData uri="http://schemas.openxmlformats.org/drawingml/2006/table">
@@ -3652,7 +3638,7 @@
                   </a:extLst>
                 </a:gridCol>
               </a:tblGrid>
-              <a:tr h="298052">
+              <a:tr h="343108">
                 <a:tc>
                   <a:txBody>
                     <a:bodyPr/>
@@ -3736,7 +3722,7 @@
                   </a:ext>
                 </a:extLst>
               </a:tr>
-              <a:tr h="402373">
+              <a:tr h="463198">
                 <a:tc>
                   <a:txBody>
                     <a:bodyPr/>
@@ -3876,7 +3862,7 @@
                   </a:ext>
                 </a:extLst>
               </a:tr>
-              <a:tr h="402373">
+              <a:tr h="356087">
                 <a:tc>
                   <a:txBody>
                     <a:bodyPr/>
@@ -3988,7 +3974,7 @@
                   </a:ext>
                 </a:extLst>
               </a:tr>
-              <a:tr h="402373">
+              <a:tr h="463198">
                 <a:tc>
                   <a:txBody>
                     <a:bodyPr/>
@@ -4119,7 +4105,7 @@
                   </a:ext>
                 </a:extLst>
               </a:tr>
-              <a:tr h="402373">
+              <a:tr h="463198">
                 <a:tc>
                   <a:txBody>
                     <a:bodyPr/>
@@ -4274,7 +4260,7 @@
                   </a:ext>
                 </a:extLst>
               </a:tr>
-              <a:tr h="245892">
+              <a:tr h="283063">
                 <a:tc>
                   <a:txBody>
                     <a:bodyPr/>
@@ -4414,7 +4400,7 @@
                   </a:ext>
                 </a:extLst>
               </a:tr>
-              <a:tr h="245892">
+              <a:tr h="283063">
                 <a:tc>
                   <a:txBody>
                     <a:bodyPr/>
@@ -4554,7 +4540,7 @@
                   </a:ext>
                 </a:extLst>
               </a:tr>
-              <a:tr h="402373">
+              <a:tr h="463198">
                 <a:tc>
                   <a:txBody>
                     <a:bodyPr/>
@@ -4658,7 +4644,7 @@
                   </a:ext>
                 </a:extLst>
               </a:tr>
-              <a:tr h="420490">
+              <a:tr h="463198">
                 <a:tc>
                   <a:txBody>
                     <a:bodyPr/>
@@ -4805,7 +4791,7 @@
                   </a:ext>
                 </a:extLst>
               </a:tr>
-              <a:tr h="420490">
+              <a:tr h="463198">
                 <a:tc>
                   <a:txBody>
                     <a:bodyPr/>
@@ -4992,7 +4978,7 @@
                   </a:ext>
                 </a:extLst>
               </a:tr>
-              <a:tr h="402373">
+              <a:tr h="463198">
                 <a:tc>
                   <a:txBody>
                     <a:bodyPr/>
@@ -5005,6 +4991,182 @@
                       <a:r>
                         <a:rPr kumimoji="1" lang="en-US" altLang="ja-JP" sz="1100" dirty="0"/>
                         <a:t>10</a:t>
+                      </a:r>
+                    </a:p>
+                  </a:txBody>
+                  <a:tcPr marL="104496" marR="104496" marT="52248" marB="52248" anchor="ctr"/>
+                </a:tc>
+                <a:tc>
+                  <a:txBody>
+                    <a:bodyPr/>
+                    <a:lstStyle/>
+                    <a:p>
+                      <a:pPr marL="0" marR="0" indent="0" algn="ctr" defTabSz="457200" rtl="0" eaLnBrk="1" fontAlgn="auto" latinLnBrk="0" hangingPunct="1">
+                        <a:lnSpc>
+                          <a:spcPct val="100000"/>
+                        </a:lnSpc>
+                        <a:spcBef>
+                          <a:spcPts val="0"/>
+                        </a:spcBef>
+                        <a:spcAft>
+                          <a:spcPts val="0"/>
+                        </a:spcAft>
+                        <a:buClrTx/>
+                        <a:buSzTx/>
+                        <a:buFontTx/>
+                        <a:buNone/>
+                        <a:tabLst/>
+                        <a:defRPr/>
+                      </a:pPr>
+                      <a:r>
+                        <a:rPr lang="en" altLang="ja-JP" sz="1200" b="0" i="0" u="none" strike="noStrike" kern="1200" dirty="0" err="1">
+                          <a:solidFill>
+                            <a:schemeClr val="dk1"/>
+                          </a:solidFill>
+                          <a:effectLst/>
+                          <a:latin typeface="+mn-lt"/>
+                          <a:ea typeface="+mn-ea"/>
+                          <a:cs typeface="+mn-cs"/>
+                        </a:rPr>
+                        <a:t>Ganko</a:t>
+                      </a:r>
+                      <a:r>
+                        <a:rPr lang="en" altLang="ja-JP" sz="1200" b="0" i="0" u="none" strike="noStrike" kern="1200" dirty="0">
+                          <a:solidFill>
+                            <a:schemeClr val="dk1"/>
+                          </a:solidFill>
+                          <a:effectLst/>
+                          <a:latin typeface="+mn-lt"/>
+                          <a:ea typeface="+mn-ea"/>
+                          <a:cs typeface="+mn-cs"/>
+                        </a:rPr>
+                        <a:t> / </a:t>
+                      </a:r>
+                      <a:r>
+                        <a:rPr lang="ja-JP" altLang="en-US" sz="1200" b="0" i="0" u="none" strike="noStrike" kern="1200">
+                          <a:solidFill>
+                            <a:schemeClr val="dk1"/>
+                          </a:solidFill>
+                          <a:effectLst/>
+                          <a:latin typeface="+mn-lt"/>
+                          <a:ea typeface="+mn-ea"/>
+                          <a:cs typeface="+mn-cs"/>
+                        </a:rPr>
+                        <a:t>がんこ </a:t>
+                      </a:r>
+                      <a:endParaRPr kumimoji="1" lang="ja-JP" altLang="en-US" sz="1200"/>
+                    </a:p>
+                  </a:txBody>
+                  <a:tcPr marL="104496" marR="104496" marT="52248" marB="52248" anchor="ctr"/>
+                </a:tc>
+                <a:tc>
+                  <a:txBody>
+                    <a:bodyPr/>
+                    <a:lstStyle/>
+                    <a:p>
+                      <a:pPr marL="0" marR="0" indent="0" algn="ctr" defTabSz="457200" rtl="0" eaLnBrk="1" fontAlgn="auto" latinLnBrk="0" hangingPunct="1">
+                        <a:lnSpc>
+                          <a:spcPct val="100000"/>
+                        </a:lnSpc>
+                        <a:spcBef>
+                          <a:spcPts val="0"/>
+                        </a:spcBef>
+                        <a:spcAft>
+                          <a:spcPts val="0"/>
+                        </a:spcAft>
+                        <a:buClrTx/>
+                        <a:buSzTx/>
+                        <a:buFontTx/>
+                        <a:buNone/>
+                        <a:tabLst/>
+                        <a:defRPr/>
+                      </a:pPr>
+                      <a:r>
+                        <a:rPr lang="en" altLang="ja-JP" sz="1200" b="0" i="0" u="none" strike="noStrike" kern="1200" dirty="0">
+                          <a:solidFill>
+                            <a:schemeClr val="dk1"/>
+                          </a:solidFill>
+                          <a:effectLst/>
+                          <a:latin typeface="+mn-lt"/>
+                          <a:ea typeface="+mn-ea"/>
+                          <a:cs typeface="+mn-cs"/>
+                        </a:rPr>
+                        <a:t>Japanese cuisine</a:t>
+                      </a:r>
+                      <a:endParaRPr kumimoji="1" lang="ja-JP" altLang="en-US" sz="1200"/>
+                    </a:p>
+                  </a:txBody>
+                  <a:tcPr marL="104496" marR="104496" marT="52248" marB="52248" anchor="ctr"/>
+                </a:tc>
+                <a:tc>
+                  <a:txBody>
+                    <a:bodyPr/>
+                    <a:lstStyle/>
+                    <a:p>
+                      <a:pPr marL="0" marR="0" lvl="0" indent="0" algn="ctr" defTabSz="457200" rtl="0" eaLnBrk="1" fontAlgn="auto" latinLnBrk="0" hangingPunct="1">
+                        <a:lnSpc>
+                          <a:spcPct val="100000"/>
+                        </a:lnSpc>
+                        <a:spcBef>
+                          <a:spcPts val="0"/>
+                        </a:spcBef>
+                        <a:spcAft>
+                          <a:spcPts val="0"/>
+                        </a:spcAft>
+                        <a:buClrTx/>
+                        <a:buSzTx/>
+                        <a:buFontTx/>
+                        <a:buNone/>
+                        <a:tabLst/>
+                        <a:defRPr/>
+                      </a:pPr>
+                      <a:r>
+                        <a:rPr lang="en" altLang="ja-JP" sz="1200" b="0" i="0" u="none" strike="noStrike" kern="1200" dirty="0">
+                          <a:solidFill>
+                            <a:schemeClr val="dk1"/>
+                          </a:solidFill>
+                          <a:effectLst/>
+                          <a:latin typeface="+mn-lt"/>
+                          <a:ea typeface="+mn-ea"/>
+                          <a:cs typeface="+mn-cs"/>
+                        </a:rPr>
+                        <a:t>15-20 min </a:t>
+                      </a:r>
+                      <a:endParaRPr kumimoji="1" lang="ja-JP" altLang="en-US" sz="1200"/>
+                    </a:p>
+                  </a:txBody>
+                  <a:tcPr marL="104496" marR="104496" marT="52248" marB="52248" anchor="ctr"/>
+                </a:tc>
+                <a:tc>
+                  <a:txBody>
+                    <a:bodyPr/>
+                    <a:lstStyle/>
+                    <a:p>
+                      <a:pPr algn="ctr"/>
+                      <a:endParaRPr kumimoji="1" lang="ja-JP" altLang="en-US" sz="1200"/>
+                    </a:p>
+                  </a:txBody>
+                  <a:tcPr marL="104496" marR="104496" marT="52248" marB="52248" anchor="ctr"/>
+                </a:tc>
+                <a:extLst>
+                  <a:ext uri="{0D108BD9-81ED-4DB2-BD59-A6C34878D82A}">
+                    <a16:rowId xmlns:a16="http://schemas.microsoft.com/office/drawing/2014/main" val="1249335542"/>
+                  </a:ext>
+                </a:extLst>
+              </a:tr>
+              <a:tr h="356087">
+                <a:tc>
+                  <a:txBody>
+                    <a:bodyPr/>
+                    <a:lstStyle/>
+                    <a:p>
+                      <a:pPr marL="0" indent="0" algn="ctr">
+                        <a:buFontTx/>
+                        <a:buNone/>
+                      </a:pPr>
+                      <a:r>
+                        <a:rPr kumimoji="1" lang="en-US" altLang="ja-JP" sz="1100" dirty="0"/>
+                        <a:t>11</a:t>
                       </a:r>
                     </a:p>
                   </a:txBody>
@@ -5144,7 +5306,7 @@
                   </a:ext>
                 </a:extLst>
               </a:tr>
-              <a:tr h="402373">
+              <a:tr h="463198">
                 <a:tc>
                   <a:txBody>
                     <a:bodyPr/>
@@ -5156,7 +5318,7 @@
                       </a:pPr>
                       <a:r>
                         <a:rPr kumimoji="1" lang="en-US" altLang="ja-JP" sz="1100" dirty="0"/>
-                        <a:t>11</a:t>
+                        <a:t>12</a:t>
                       </a:r>
                     </a:p>
                   </a:txBody>
@@ -5275,7 +5437,7 @@
                   </a:ext>
                 </a:extLst>
               </a:tr>
-              <a:tr h="558854">
+              <a:tr h="643333">
                 <a:tc>
                   <a:txBody>
                     <a:bodyPr/>
@@ -5287,7 +5449,7 @@
                       </a:pPr>
                       <a:r>
                         <a:rPr kumimoji="1" lang="en-US" altLang="ja-JP" sz="1100" dirty="0"/>
-                        <a:t>12</a:t>
+                        <a:t>13</a:t>
                       </a:r>
                     </a:p>
                   </a:txBody>
@@ -5430,7 +5592,7 @@
                   </a:ext>
                 </a:extLst>
               </a:tr>
-              <a:tr h="420474">
+              <a:tr h="463198">
                 <a:tc>
                   <a:txBody>
                     <a:bodyPr/>
@@ -5442,7 +5604,7 @@
                       </a:pPr>
                       <a:r>
                         <a:rPr kumimoji="1" lang="en-US" altLang="ja-JP" sz="1100" dirty="0"/>
-                        <a:t>13</a:t>
+                        <a:t>14</a:t>
                       </a:r>
                     </a:p>
                   </a:txBody>
@@ -5589,7 +5751,7 @@
                   </a:ext>
                 </a:extLst>
               </a:tr>
-              <a:tr h="402373">
+              <a:tr h="356087">
                 <a:tc>
                   <a:txBody>
                     <a:bodyPr/>
@@ -5601,7 +5763,7 @@
                       </a:pPr>
                       <a:r>
                         <a:rPr kumimoji="1" lang="en-US" altLang="ja-JP" sz="1100" dirty="0"/>
-                        <a:t>14</a:t>
+                        <a:t>15</a:t>
                       </a:r>
                     </a:p>
                   </a:txBody>
@@ -5713,7 +5875,7 @@
                   </a:ext>
                 </a:extLst>
               </a:tr>
-              <a:tr h="402373">
+              <a:tr h="463198">
                 <a:tc>
                   <a:txBody>
                     <a:bodyPr/>
@@ -5725,7 +5887,7 @@
                       </a:pPr>
                       <a:r>
                         <a:rPr kumimoji="1" lang="en-US" altLang="ja-JP" sz="1100" dirty="0"/>
-                        <a:t>15</a:t>
+                        <a:t>16</a:t>
                       </a:r>
                     </a:p>
                   </a:txBody>
@@ -5890,7 +6052,7 @@
         </p:nvSpPr>
         <p:spPr>
           <a:xfrm>
-            <a:off x="1765259" y="211110"/>
+            <a:off x="1765258" y="135384"/>
             <a:ext cx="1805302" cy="523220"/>
           </a:xfrm>
           <a:prstGeom prst="rect">
@@ -6169,10 +6331,10 @@
       </p:pic>
       <p:pic>
         <p:nvPicPr>
-          <p:cNvPr id="4" name="図 3">
+          <p:cNvPr id="3" name="図 2">
             <a:extLst>
               <a:ext uri="{FF2B5EF4-FFF2-40B4-BE49-F238E27FC236}">
-                <a16:creationId xmlns:a16="http://schemas.microsoft.com/office/drawing/2014/main" id="{660E32E9-4480-9782-446E-EFEEA4D38250}"/>
+                <a16:creationId xmlns:a16="http://schemas.microsoft.com/office/drawing/2014/main" id="{5E58332C-70BB-90FB-2A0B-6158F679570B}"/>
               </a:ext>
             </a:extLst>
           </p:cNvPr>
@@ -6189,8 +6351,8 @@
         </p:blipFill>
         <p:spPr>
           <a:xfrm>
-            <a:off x="173030" y="762890"/>
-            <a:ext cx="4987793" cy="4923926"/>
+            <a:off x="192043" y="658604"/>
+            <a:ext cx="4951731" cy="5009669"/>
           </a:xfrm>
           <a:prstGeom prst="rect">
             <a:avLst/>
